--- a/Communication et socio-psychologie/Devoirs/Produit projet.pptx
+++ b/Communication et socio-psychologie/Devoirs/Produit projet.pptx
@@ -5,40 +5,41 @@
     <p:sldMasterId id="2147483680" r:id="rId1"/>
   </p:sldMasterIdLst>
   <p:notesMasterIdLst>
-    <p:notesMasterId r:id="rId6"/>
+    <p:notesMasterId r:id="rId7"/>
   </p:notesMasterIdLst>
   <p:sldIdLst>
     <p:sldId id="256" r:id="rId2"/>
     <p:sldId id="313" r:id="rId3"/>
     <p:sldId id="330" r:id="rId4"/>
     <p:sldId id="332" r:id="rId5"/>
+    <p:sldId id="333" r:id="rId6"/>
   </p:sldIdLst>
   <p:sldSz cx="9144000" cy="5143500" type="screen16x9"/>
   <p:notesSz cx="6858000" cy="9144000"/>
   <p:embeddedFontLst>
     <p:embeddedFont>
       <p:font typeface="Dosis" pitchFamily="2" charset="0"/>
-      <p:regular r:id="rId7"/>
-      <p:bold r:id="rId8"/>
+      <p:regular r:id="rId8"/>
+      <p:bold r:id="rId9"/>
     </p:embeddedFont>
     <p:embeddedFont>
       <p:font typeface="Lato" panose="020F0502020204030203" pitchFamily="34" charset="0"/>
-      <p:regular r:id="rId9"/>
-      <p:bold r:id="rId10"/>
-      <p:italic r:id="rId11"/>
-      <p:boldItalic r:id="rId12"/>
+      <p:regular r:id="rId10"/>
+      <p:bold r:id="rId11"/>
+      <p:italic r:id="rId12"/>
+      <p:boldItalic r:id="rId13"/>
     </p:embeddedFont>
     <p:embeddedFont>
       <p:font typeface="Nunito Sans" pitchFamily="2" charset="0"/>
-      <p:regular r:id="rId13"/>
-      <p:bold r:id="rId14"/>
-      <p:italic r:id="rId15"/>
-      <p:boldItalic r:id="rId16"/>
+      <p:regular r:id="rId14"/>
+      <p:bold r:id="rId15"/>
+      <p:italic r:id="rId16"/>
+      <p:boldItalic r:id="rId17"/>
     </p:embeddedFont>
     <p:embeddedFont>
       <p:font typeface="Nunito Sans Black" pitchFamily="2" charset="0"/>
-      <p:bold r:id="rId17"/>
-      <p:boldItalic r:id="rId18"/>
+      <p:bold r:id="rId18"/>
+      <p:boldItalic r:id="rId19"/>
     </p:embeddedFont>
   </p:embeddedFontLst>
   <p:defaultTextStyle>
@@ -39399,7 +39400,7 @@
           <a:lstStyle/>
           <a:p>
             <a:r>
-              <a:rPr lang="fr-FR" dirty="0"/>
+              <a:rPr lang="fr-FR" u="sng" dirty="0"/>
               <a:t>POUR LA CONDUITE</a:t>
             </a:r>
           </a:p>
@@ -39424,7 +39425,7 @@
         </p:blipFill>
         <p:spPr>
           <a:xfrm>
-            <a:off x="1872314" y="1401221"/>
+            <a:off x="2079482" y="1440131"/>
             <a:ext cx="5399371" cy="3263833"/>
           </a:xfrm>
           <a:prstGeom prst="hexagon">
@@ -39492,7 +39493,7 @@
         </p:nvSpPr>
         <p:spPr>
           <a:xfrm>
-            <a:off x="1435101" y="94390"/>
+            <a:off x="1277100" y="172212"/>
             <a:ext cx="6737349" cy="1442309"/>
           </a:xfrm>
         </p:spPr>
@@ -39501,7 +39502,7 @@
           <a:lstStyle/>
           <a:p>
             <a:r>
-              <a:rPr lang="fr-FR" dirty="0"/>
+              <a:rPr lang="fr-FR" u="sng" dirty="0"/>
               <a:t>POUR L’INFORMATION</a:t>
             </a:r>
           </a:p>
@@ -39526,7 +39527,7 @@
         </p:blipFill>
         <p:spPr>
           <a:xfrm>
-            <a:off x="1996947" y="1466848"/>
+            <a:off x="2070721" y="1544669"/>
             <a:ext cx="5150106" cy="3149601"/>
           </a:xfrm>
           <a:prstGeom prst="hexagon">
@@ -39550,6 +39551,147 @@
     <p:extLst>
       <p:ext uri="{BB962C8B-B14F-4D97-AF65-F5344CB8AC3E}">
         <p14:creationId xmlns:p14="http://schemas.microsoft.com/office/powerpoint/2010/main" val="194719793"/>
+      </p:ext>
+    </p:extLst>
+  </p:cSld>
+  <p:clrMapOvr>
+    <a:masterClrMapping/>
+  </p:clrMapOvr>
+</p:sld>
+</file>
+
+<file path=ppt/slides/slide5.xml><?xml version="1.0" encoding="utf-8"?>
+<p:sld xmlns:a="http://schemas.openxmlformats.org/drawingml/2006/main" xmlns:r="http://schemas.openxmlformats.org/officeDocument/2006/relationships" xmlns:p="http://schemas.openxmlformats.org/presentationml/2006/main">
+  <p:cSld>
+    <p:spTree>
+      <p:nvGrpSpPr>
+        <p:cNvPr id="1" name=""/>
+        <p:cNvGrpSpPr/>
+        <p:nvPr/>
+      </p:nvGrpSpPr>
+      <p:grpSpPr>
+        <a:xfrm>
+          <a:off x="0" y="0"/>
+          <a:ext cx="0" cy="0"/>
+          <a:chOff x="0" y="0"/>
+          <a:chExt cx="0" cy="0"/>
+        </a:xfrm>
+      </p:grpSpPr>
+      <p:pic>
+        <p:nvPicPr>
+          <p:cNvPr id="6" name="Google Shape;2039;p39">
+            <a:extLst>
+              <a:ext uri="{FF2B5EF4-FFF2-40B4-BE49-F238E27FC236}">
+                <a16:creationId xmlns:a16="http://schemas.microsoft.com/office/drawing/2014/main" id="{1546EA67-D67A-01F8-669C-D78C0FBAB966}"/>
+              </a:ext>
+            </a:extLst>
+          </p:cNvPr>
+          <p:cNvPicPr preferRelativeResize="0"/>
+          <p:nvPr/>
+        </p:nvPicPr>
+        <p:blipFill>
+          <a:blip r:embed="rId2"/>
+          <a:srcRect t="4123" b="4123"/>
+          <a:stretch/>
+        </p:blipFill>
+        <p:spPr>
+          <a:xfrm>
+            <a:off x="312027" y="2046583"/>
+            <a:ext cx="4091495" cy="2502196"/>
+          </a:xfrm>
+          <a:prstGeom prst="hexagon">
+            <a:avLst>
+              <a:gd name="adj" fmla="val 20672"/>
+              <a:gd name="vf" fmla="val 115470"/>
+            </a:avLst>
+          </a:prstGeom>
+          <a:noFill/>
+          <a:ln>
+            <a:noFill/>
+          </a:ln>
+          <a:effectLst>
+            <a:outerShdw dist="114300" dir="2940000" algn="bl" rotWithShape="0">
+              <a:schemeClr val="accent1"/>
+            </a:outerShdw>
+          </a:effectLst>
+        </p:spPr>
+      </p:pic>
+      <p:pic>
+        <p:nvPicPr>
+          <p:cNvPr id="7" name="Google Shape;2039;p39">
+            <a:extLst>
+              <a:ext uri="{FF2B5EF4-FFF2-40B4-BE49-F238E27FC236}">
+                <a16:creationId xmlns:a16="http://schemas.microsoft.com/office/drawing/2014/main" id="{1EE8FFD9-58C0-FDE5-05EB-FB579D35E367}"/>
+              </a:ext>
+            </a:extLst>
+          </p:cNvPr>
+          <p:cNvPicPr preferRelativeResize="0"/>
+          <p:nvPr/>
+        </p:nvPicPr>
+        <p:blipFill>
+          <a:blip r:embed="rId3"/>
+          <a:srcRect l="4011" r="4011"/>
+          <a:stretch/>
+        </p:blipFill>
+        <p:spPr>
+          <a:xfrm>
+            <a:off x="4403522" y="2046583"/>
+            <a:ext cx="4091495" cy="2502196"/>
+          </a:xfrm>
+          <a:prstGeom prst="hexagon">
+            <a:avLst>
+              <a:gd name="adj" fmla="val 20672"/>
+              <a:gd name="vf" fmla="val 115470"/>
+            </a:avLst>
+          </a:prstGeom>
+          <a:noFill/>
+          <a:ln>
+            <a:noFill/>
+          </a:ln>
+          <a:effectLst>
+            <a:outerShdw dist="114300" dir="2940000" algn="bl" rotWithShape="0">
+              <a:schemeClr val="accent1"/>
+            </a:outerShdw>
+          </a:effectLst>
+        </p:spPr>
+      </p:pic>
+      <p:sp>
+        <p:nvSpPr>
+          <p:cNvPr id="8" name="Titre 1">
+            <a:extLst>
+              <a:ext uri="{FF2B5EF4-FFF2-40B4-BE49-F238E27FC236}">
+                <a16:creationId xmlns:a16="http://schemas.microsoft.com/office/drawing/2014/main" id="{6B8B9400-54F1-E14C-8F9D-EA22C5E3A12C}"/>
+              </a:ext>
+            </a:extLst>
+          </p:cNvPr>
+          <p:cNvSpPr>
+            <a:spLocks noGrp="1"/>
+          </p:cNvSpPr>
+          <p:nvPr>
+            <p:ph type="title"/>
+          </p:nvPr>
+        </p:nvSpPr>
+        <p:spPr>
+          <a:xfrm>
+            <a:off x="1308642" y="196528"/>
+            <a:ext cx="6737349" cy="1442309"/>
+          </a:xfrm>
+        </p:spPr>
+        <p:txBody>
+          <a:bodyPr/>
+          <a:lstStyle/>
+          <a:p>
+            <a:r>
+              <a:rPr lang="fr-FR" u="sng" dirty="0"/>
+              <a:t>POUR LE SPORT</a:t>
+            </a:r>
+          </a:p>
+        </p:txBody>
+      </p:sp>
+    </p:spTree>
+    <p:extLst>
+      <p:ext uri="{BB962C8B-B14F-4D97-AF65-F5344CB8AC3E}">
+        <p14:creationId xmlns:p14="http://schemas.microsoft.com/office/powerpoint/2010/main" val="3497532372"/>
       </p:ext>
     </p:extLst>
   </p:cSld>
